--- a/manuscript/Figures_1_2.pptx
+++ b/manuscript/Figures_1_2.pptx
@@ -262,7 +262,7 @@
           <a:p>
             <a:fld id="{1DEC55C5-D675-4E5F-B2D3-82BD4B046532}" type="datetimeFigureOut">
               <a:rPr lang="en-US" smtClean="0"/>
-              <a:t>8/17/2021</a:t>
+              <a:t>11/4/2021</a:t>
             </a:fld>
             <a:endParaRPr lang="en-US"/>
           </a:p>
@@ -460,7 +460,7 @@
           <a:p>
             <a:fld id="{1DEC55C5-D675-4E5F-B2D3-82BD4B046532}" type="datetimeFigureOut">
               <a:rPr lang="en-US" smtClean="0"/>
-              <a:t>8/17/2021</a:t>
+              <a:t>11/4/2021</a:t>
             </a:fld>
             <a:endParaRPr lang="en-US"/>
           </a:p>
@@ -668,7 +668,7 @@
           <a:p>
             <a:fld id="{1DEC55C5-D675-4E5F-B2D3-82BD4B046532}" type="datetimeFigureOut">
               <a:rPr lang="en-US" smtClean="0"/>
-              <a:t>8/17/2021</a:t>
+              <a:t>11/4/2021</a:t>
             </a:fld>
             <a:endParaRPr lang="en-US"/>
           </a:p>
@@ -866,7 +866,7 @@
           <a:p>
             <a:fld id="{1DEC55C5-D675-4E5F-B2D3-82BD4B046532}" type="datetimeFigureOut">
               <a:rPr lang="en-US" smtClean="0"/>
-              <a:t>8/17/2021</a:t>
+              <a:t>11/4/2021</a:t>
             </a:fld>
             <a:endParaRPr lang="en-US"/>
           </a:p>
@@ -1141,7 +1141,7 @@
           <a:p>
             <a:fld id="{1DEC55C5-D675-4E5F-B2D3-82BD4B046532}" type="datetimeFigureOut">
               <a:rPr lang="en-US" smtClean="0"/>
-              <a:t>8/17/2021</a:t>
+              <a:t>11/4/2021</a:t>
             </a:fld>
             <a:endParaRPr lang="en-US"/>
           </a:p>
@@ -1406,7 +1406,7 @@
           <a:p>
             <a:fld id="{1DEC55C5-D675-4E5F-B2D3-82BD4B046532}" type="datetimeFigureOut">
               <a:rPr lang="en-US" smtClean="0"/>
-              <a:t>8/17/2021</a:t>
+              <a:t>11/4/2021</a:t>
             </a:fld>
             <a:endParaRPr lang="en-US"/>
           </a:p>
@@ -1818,7 +1818,7 @@
           <a:p>
             <a:fld id="{1DEC55C5-D675-4E5F-B2D3-82BD4B046532}" type="datetimeFigureOut">
               <a:rPr lang="en-US" smtClean="0"/>
-              <a:t>8/17/2021</a:t>
+              <a:t>11/4/2021</a:t>
             </a:fld>
             <a:endParaRPr lang="en-US"/>
           </a:p>
@@ -1959,7 +1959,7 @@
           <a:p>
             <a:fld id="{1DEC55C5-D675-4E5F-B2D3-82BD4B046532}" type="datetimeFigureOut">
               <a:rPr lang="en-US" smtClean="0"/>
-              <a:t>8/17/2021</a:t>
+              <a:t>11/4/2021</a:t>
             </a:fld>
             <a:endParaRPr lang="en-US"/>
           </a:p>
@@ -2072,7 +2072,7 @@
           <a:p>
             <a:fld id="{1DEC55C5-D675-4E5F-B2D3-82BD4B046532}" type="datetimeFigureOut">
               <a:rPr lang="en-US" smtClean="0"/>
-              <a:t>8/17/2021</a:t>
+              <a:t>11/4/2021</a:t>
             </a:fld>
             <a:endParaRPr lang="en-US"/>
           </a:p>
@@ -2383,7 +2383,7 @@
           <a:p>
             <a:fld id="{1DEC55C5-D675-4E5F-B2D3-82BD4B046532}" type="datetimeFigureOut">
               <a:rPr lang="en-US" smtClean="0"/>
-              <a:t>8/17/2021</a:t>
+              <a:t>11/4/2021</a:t>
             </a:fld>
             <a:endParaRPr lang="en-US"/>
           </a:p>
@@ -2671,7 +2671,7 @@
           <a:p>
             <a:fld id="{1DEC55C5-D675-4E5F-B2D3-82BD4B046532}" type="datetimeFigureOut">
               <a:rPr lang="en-US" smtClean="0"/>
-              <a:t>8/17/2021</a:t>
+              <a:t>11/4/2021</a:t>
             </a:fld>
             <a:endParaRPr lang="en-US"/>
           </a:p>
@@ -2912,7 +2912,7 @@
           <a:p>
             <a:fld id="{1DEC55C5-D675-4E5F-B2D3-82BD4B046532}" type="datetimeFigureOut">
               <a:rPr lang="en-US" smtClean="0"/>
-              <a:t>8/17/2021</a:t>
+              <a:t>11/4/2021</a:t>
             </a:fld>
             <a:endParaRPr lang="en-US"/>
           </a:p>
@@ -18378,8 +18378,8 @@
           </p:txBody>
         </p:sp>
       </p:grpSp>
-      <mc:AlternateContent xmlns:mc="http://schemas.openxmlformats.org/markup-compatibility/2006">
-        <mc:Choice xmlns:a14="http://schemas.microsoft.com/office/drawing/2010/main" Requires="a14">
+      <mc:AlternateContent xmlns:mc="http://schemas.openxmlformats.org/markup-compatibility/2006" xmlns:a14="http://schemas.microsoft.com/office/drawing/2010/main">
+        <mc:Choice Requires="a14">
           <p:sp>
             <p:nvSpPr>
               <p:cNvPr id="105" name="Rectangle 104">
@@ -18461,7 +18461,7 @@
             </p:txBody>
           </p:sp>
         </mc:Choice>
-        <mc:Fallback>
+        <mc:Fallback xmlns="">
           <p:sp>
             <p:nvSpPr>
               <p:cNvPr id="105" name="Rectangle 104">
@@ -18509,8 +18509,8 @@
           </p:sp>
         </mc:Fallback>
       </mc:AlternateContent>
-      <mc:AlternateContent xmlns:mc="http://schemas.openxmlformats.org/markup-compatibility/2006">
-        <mc:Choice xmlns:a14="http://schemas.microsoft.com/office/drawing/2010/main" Requires="a14">
+      <mc:AlternateContent xmlns:mc="http://schemas.openxmlformats.org/markup-compatibility/2006" xmlns:a14="http://schemas.microsoft.com/office/drawing/2010/main">
+        <mc:Choice Requires="a14">
           <p:sp>
             <p:nvSpPr>
               <p:cNvPr id="106" name="Rectangle 105">
@@ -18631,7 +18631,7 @@
             </p:txBody>
           </p:sp>
         </mc:Choice>
-        <mc:Fallback>
+        <mc:Fallback xmlns="">
           <p:sp>
             <p:nvSpPr>
               <p:cNvPr id="106" name="Rectangle 105">
@@ -25652,8 +25652,8 @@
           </a:p>
         </p:txBody>
       </p:sp>
-      <mc:AlternateContent xmlns:mc="http://schemas.openxmlformats.org/markup-compatibility/2006">
-        <mc:Choice xmlns:a14="http://schemas.microsoft.com/office/drawing/2010/main" Requires="a14">
+      <mc:AlternateContent xmlns:mc="http://schemas.openxmlformats.org/markup-compatibility/2006" xmlns:a14="http://schemas.microsoft.com/office/drawing/2010/main">
+        <mc:Choice Requires="a14">
           <p:sp>
             <p:nvSpPr>
               <p:cNvPr id="246" name="Rectangle 245">
@@ -25774,7 +25774,7 @@
             </p:txBody>
           </p:sp>
         </mc:Choice>
-        <mc:Fallback>
+        <mc:Fallback xmlns="">
           <p:sp>
             <p:nvSpPr>
               <p:cNvPr id="246" name="Rectangle 245">
@@ -27138,8 +27138,8 @@
         </p:blipFill>
         <p:spPr>
           <a:xfrm>
-            <a:off x="5437670" y="846028"/>
-            <a:ext cx="1316659" cy="947110"/>
+            <a:off x="4741022" y="846027"/>
+            <a:ext cx="2013308" cy="1448229"/>
           </a:xfrm>
           <a:prstGeom prst="rect">
             <a:avLst/>
@@ -29667,8 +29667,8 @@
         </p:blipFill>
         <p:spPr>
           <a:xfrm>
-            <a:off x="9771797" y="5410111"/>
-            <a:ext cx="1849260" cy="1285733"/>
+            <a:off x="7407080" y="3765997"/>
+            <a:ext cx="4213977" cy="2929847"/>
           </a:xfrm>
           <a:prstGeom prst="rect">
             <a:avLst/>
